--- a/Тор Academy/5. C#/Другое/Film Gallary.pptx
+++ b/Тор Academy/5. C#/Другое/Film Gallary.pptx
@@ -1,18 +1,18 @@
 
 <file path=ppt/presentation.xml><?xml version="1.0" encoding="utf-8"?>
-<p:presentation xmlns:a="http://schemas.openxmlformats.org/drawingml/2006/main" xmlns:r="http://schemas.openxmlformats.org/officeDocument/2006/relationships" xmlns:p="http://schemas.openxmlformats.org/presentationml/2006/main" saveSubsetFonts="1">
+<p:presentation xmlns:a="http://schemas.openxmlformats.org/drawingml/2006/main" xmlns:r="http://schemas.openxmlformats.org/officeDocument/2006/relationships" xmlns:p="http://schemas.openxmlformats.org/presentationml/2006/main">
   <p:sldMasterIdLst>
     <p:sldMasterId id="2147483648" r:id="rId1"/>
   </p:sldMasterIdLst>
   <p:sldIdLst>
-    <p:sldId id="256" r:id="rId2"/>
-    <p:sldId id="257" r:id="rId3"/>
-    <p:sldId id="258" r:id="rId4"/>
-    <p:sldId id="259" r:id="rId5"/>
-    <p:sldId id="260" r:id="rId6"/>
-    <p:sldId id="261" r:id="rId7"/>
-    <p:sldId id="262" r:id="rId8"/>
-    <p:sldId id="263" r:id="rId9"/>
+    <p:sldId id="256" r:id="rId3"/>
+    <p:sldId id="257" r:id="rId4"/>
+    <p:sldId id="258" r:id="rId5"/>
+    <p:sldId id="259" r:id="rId6"/>
+    <p:sldId id="260" r:id="rId7"/>
+    <p:sldId id="261" r:id="rId8"/>
+    <p:sldId id="262" r:id="rId9"/>
+    <p:sldId id="263" r:id="rId10"/>
   </p:sldIdLst>
   <p:sldSz cx="12192000" cy="6858000"/>
   <p:notesSz cx="6858000" cy="9144000"/>
@@ -111,11 +111,6 @@
       </a:defRPr>
     </a:lvl9pPr>
   </p:defaultTextStyle>
-  <p:extLst>
-    <p:ext uri="{EFAFB233-063F-42B5-8137-9DF3F51BA10A}">
-      <p15:sldGuideLst xmlns:p15="http://schemas.microsoft.com/office/powerpoint/2012/main"/>
-    </p:ext>
-  </p:extLst>
 </p:presentation>
 </file>
 
@@ -250,7 +245,6 @@
           <a:p>
             <a:fld id="{B15478E0-E977-4492-8A6E-786640ADD492}" type="datetimeFigureOut">
               <a:rPr lang="ru-RU" smtClean="0"/>
-              <a:t>26.07.2024</a:t>
             </a:fld>
             <a:endParaRPr lang="ru-RU"/>
           </a:p>
@@ -292,18 +286,12 @@
           <a:p>
             <a:fld id="{3D562609-B199-4C5E-8697-E3BBC63E089F}" type="slidenum">
               <a:rPr lang="ru-RU" smtClean="0"/>
-              <a:t>‹#›</a:t>
             </a:fld>
             <a:endParaRPr lang="ru-RU"/>
           </a:p>
         </p:txBody>
       </p:sp>
     </p:spTree>
-    <p:extLst>
-      <p:ext uri="{BB962C8B-B14F-4D97-AF65-F5344CB8AC3E}">
-        <p14:creationId xmlns:p14="http://schemas.microsoft.com/office/powerpoint/2010/main" val="1022573386"/>
-      </p:ext>
-    </p:extLst>
   </p:cSld>
   <p:clrMapOvr>
     <a:masterClrMapping/>
@@ -371,6 +359,7 @@
               <a:rPr lang="ru-RU" smtClean="0"/>
               <a:t>Образец текста</a:t>
             </a:r>
+            <a:endParaRPr lang="ru-RU" smtClean="0"/>
           </a:p>
           <a:p>
             <a:pPr lvl="1"/>
@@ -378,6 +367,7 @@
               <a:rPr lang="ru-RU" smtClean="0"/>
               <a:t>Второй уровень</a:t>
             </a:r>
+            <a:endParaRPr lang="ru-RU" smtClean="0"/>
           </a:p>
           <a:p>
             <a:pPr lvl="2"/>
@@ -385,6 +375,7 @@
               <a:rPr lang="ru-RU" smtClean="0"/>
               <a:t>Третий уровень</a:t>
             </a:r>
+            <a:endParaRPr lang="ru-RU" smtClean="0"/>
           </a:p>
           <a:p>
             <a:pPr lvl="3"/>
@@ -392,6 +383,7 @@
               <a:rPr lang="ru-RU" smtClean="0"/>
               <a:t>Четвертый уровень</a:t>
             </a:r>
+            <a:endParaRPr lang="ru-RU" smtClean="0"/>
           </a:p>
           <a:p>
             <a:pPr lvl="4"/>
@@ -420,7 +412,6 @@
           <a:p>
             <a:fld id="{B15478E0-E977-4492-8A6E-786640ADD492}" type="datetimeFigureOut">
               <a:rPr lang="ru-RU" smtClean="0"/>
-              <a:t>26.07.2024</a:t>
             </a:fld>
             <a:endParaRPr lang="ru-RU"/>
           </a:p>
@@ -462,18 +453,12 @@
           <a:p>
             <a:fld id="{3D562609-B199-4C5E-8697-E3BBC63E089F}" type="slidenum">
               <a:rPr lang="ru-RU" smtClean="0"/>
-              <a:t>‹#›</a:t>
             </a:fld>
             <a:endParaRPr lang="ru-RU"/>
           </a:p>
         </p:txBody>
       </p:sp>
     </p:spTree>
-    <p:extLst>
-      <p:ext uri="{BB962C8B-B14F-4D97-AF65-F5344CB8AC3E}">
-        <p14:creationId xmlns:p14="http://schemas.microsoft.com/office/powerpoint/2010/main" val="3564623514"/>
-      </p:ext>
-    </p:extLst>
   </p:cSld>
   <p:clrMapOvr>
     <a:masterClrMapping/>
@@ -551,6 +536,7 @@
               <a:rPr lang="ru-RU" smtClean="0"/>
               <a:t>Образец текста</a:t>
             </a:r>
+            <a:endParaRPr lang="ru-RU" smtClean="0"/>
           </a:p>
           <a:p>
             <a:pPr lvl="1"/>
@@ -558,6 +544,7 @@
               <a:rPr lang="ru-RU" smtClean="0"/>
               <a:t>Второй уровень</a:t>
             </a:r>
+            <a:endParaRPr lang="ru-RU" smtClean="0"/>
           </a:p>
           <a:p>
             <a:pPr lvl="2"/>
@@ -565,6 +552,7 @@
               <a:rPr lang="ru-RU" smtClean="0"/>
               <a:t>Третий уровень</a:t>
             </a:r>
+            <a:endParaRPr lang="ru-RU" smtClean="0"/>
           </a:p>
           <a:p>
             <a:pPr lvl="3"/>
@@ -572,6 +560,7 @@
               <a:rPr lang="ru-RU" smtClean="0"/>
               <a:t>Четвертый уровень</a:t>
             </a:r>
+            <a:endParaRPr lang="ru-RU" smtClean="0"/>
           </a:p>
           <a:p>
             <a:pPr lvl="4"/>
@@ -600,7 +589,6 @@
           <a:p>
             <a:fld id="{B15478E0-E977-4492-8A6E-786640ADD492}" type="datetimeFigureOut">
               <a:rPr lang="ru-RU" smtClean="0"/>
-              <a:t>26.07.2024</a:t>
             </a:fld>
             <a:endParaRPr lang="ru-RU"/>
           </a:p>
@@ -642,18 +630,12 @@
           <a:p>
             <a:fld id="{3D562609-B199-4C5E-8697-E3BBC63E089F}" type="slidenum">
               <a:rPr lang="ru-RU" smtClean="0"/>
-              <a:t>‹#›</a:t>
             </a:fld>
             <a:endParaRPr lang="ru-RU"/>
           </a:p>
         </p:txBody>
       </p:sp>
     </p:spTree>
-    <p:extLst>
-      <p:ext uri="{BB962C8B-B14F-4D97-AF65-F5344CB8AC3E}">
-        <p14:creationId xmlns:p14="http://schemas.microsoft.com/office/powerpoint/2010/main" val="3072900913"/>
-      </p:ext>
-    </p:extLst>
   </p:cSld>
   <p:clrMapOvr>
     <a:masterClrMapping/>
@@ -721,6 +703,7 @@
               <a:rPr lang="ru-RU" smtClean="0"/>
               <a:t>Образец текста</a:t>
             </a:r>
+            <a:endParaRPr lang="ru-RU" smtClean="0"/>
           </a:p>
           <a:p>
             <a:pPr lvl="1"/>
@@ -728,6 +711,7 @@
               <a:rPr lang="ru-RU" smtClean="0"/>
               <a:t>Второй уровень</a:t>
             </a:r>
+            <a:endParaRPr lang="ru-RU" smtClean="0"/>
           </a:p>
           <a:p>
             <a:pPr lvl="2"/>
@@ -735,6 +719,7 @@
               <a:rPr lang="ru-RU" smtClean="0"/>
               <a:t>Третий уровень</a:t>
             </a:r>
+            <a:endParaRPr lang="ru-RU" smtClean="0"/>
           </a:p>
           <a:p>
             <a:pPr lvl="3"/>
@@ -742,6 +727,7 @@
               <a:rPr lang="ru-RU" smtClean="0"/>
               <a:t>Четвертый уровень</a:t>
             </a:r>
+            <a:endParaRPr lang="ru-RU" smtClean="0"/>
           </a:p>
           <a:p>
             <a:pPr lvl="4"/>
@@ -770,7 +756,6 @@
           <a:p>
             <a:fld id="{B15478E0-E977-4492-8A6E-786640ADD492}" type="datetimeFigureOut">
               <a:rPr lang="ru-RU" smtClean="0"/>
-              <a:t>26.07.2024</a:t>
             </a:fld>
             <a:endParaRPr lang="ru-RU"/>
           </a:p>
@@ -812,18 +797,12 @@
           <a:p>
             <a:fld id="{3D562609-B199-4C5E-8697-E3BBC63E089F}" type="slidenum">
               <a:rPr lang="ru-RU" smtClean="0"/>
-              <a:t>‹#›</a:t>
             </a:fld>
             <a:endParaRPr lang="ru-RU"/>
           </a:p>
         </p:txBody>
       </p:sp>
     </p:spTree>
-    <p:extLst>
-      <p:ext uri="{BB962C8B-B14F-4D97-AF65-F5344CB8AC3E}">
-        <p14:creationId xmlns:p14="http://schemas.microsoft.com/office/powerpoint/2010/main" val="2224066642"/>
-      </p:ext>
-    </p:extLst>
   </p:cSld>
   <p:clrMapOvr>
     <a:masterClrMapping/>
@@ -996,6 +975,7 @@
               <a:rPr lang="ru-RU" smtClean="0"/>
               <a:t>Образец текста</a:t>
             </a:r>
+            <a:endParaRPr lang="ru-RU" smtClean="0"/>
           </a:p>
         </p:txBody>
       </p:sp>
@@ -1016,7 +996,6 @@
           <a:p>
             <a:fld id="{B15478E0-E977-4492-8A6E-786640ADD492}" type="datetimeFigureOut">
               <a:rPr lang="ru-RU" smtClean="0"/>
-              <a:t>26.07.2024</a:t>
             </a:fld>
             <a:endParaRPr lang="ru-RU"/>
           </a:p>
@@ -1058,18 +1037,12 @@
           <a:p>
             <a:fld id="{3D562609-B199-4C5E-8697-E3BBC63E089F}" type="slidenum">
               <a:rPr lang="ru-RU" smtClean="0"/>
-              <a:t>‹#›</a:t>
             </a:fld>
             <a:endParaRPr lang="ru-RU"/>
           </a:p>
         </p:txBody>
       </p:sp>
     </p:spTree>
-    <p:extLst>
-      <p:ext uri="{BB962C8B-B14F-4D97-AF65-F5344CB8AC3E}">
-        <p14:creationId xmlns:p14="http://schemas.microsoft.com/office/powerpoint/2010/main" val="637165464"/>
-      </p:ext>
-    </p:extLst>
   </p:cSld>
   <p:clrMapOvr>
     <a:masterClrMapping/>
@@ -1142,6 +1115,7 @@
               <a:rPr lang="ru-RU" smtClean="0"/>
               <a:t>Образец текста</a:t>
             </a:r>
+            <a:endParaRPr lang="ru-RU" smtClean="0"/>
           </a:p>
           <a:p>
             <a:pPr lvl="1"/>
@@ -1149,6 +1123,7 @@
               <a:rPr lang="ru-RU" smtClean="0"/>
               <a:t>Второй уровень</a:t>
             </a:r>
+            <a:endParaRPr lang="ru-RU" smtClean="0"/>
           </a:p>
           <a:p>
             <a:pPr lvl="2"/>
@@ -1156,6 +1131,7 @@
               <a:rPr lang="ru-RU" smtClean="0"/>
               <a:t>Третий уровень</a:t>
             </a:r>
+            <a:endParaRPr lang="ru-RU" smtClean="0"/>
           </a:p>
           <a:p>
             <a:pPr lvl="3"/>
@@ -1163,6 +1139,7 @@
               <a:rPr lang="ru-RU" smtClean="0"/>
               <a:t>Четвертый уровень</a:t>
             </a:r>
+            <a:endParaRPr lang="ru-RU" smtClean="0"/>
           </a:p>
           <a:p>
             <a:pPr lvl="4"/>
@@ -1199,6 +1176,7 @@
               <a:rPr lang="ru-RU" smtClean="0"/>
               <a:t>Образец текста</a:t>
             </a:r>
+            <a:endParaRPr lang="ru-RU" smtClean="0"/>
           </a:p>
           <a:p>
             <a:pPr lvl="1"/>
@@ -1206,6 +1184,7 @@
               <a:rPr lang="ru-RU" smtClean="0"/>
               <a:t>Второй уровень</a:t>
             </a:r>
+            <a:endParaRPr lang="ru-RU" smtClean="0"/>
           </a:p>
           <a:p>
             <a:pPr lvl="2"/>
@@ -1213,6 +1192,7 @@
               <a:rPr lang="ru-RU" smtClean="0"/>
               <a:t>Третий уровень</a:t>
             </a:r>
+            <a:endParaRPr lang="ru-RU" smtClean="0"/>
           </a:p>
           <a:p>
             <a:pPr lvl="3"/>
@@ -1220,6 +1200,7 @@
               <a:rPr lang="ru-RU" smtClean="0"/>
               <a:t>Четвертый уровень</a:t>
             </a:r>
+            <a:endParaRPr lang="ru-RU" smtClean="0"/>
           </a:p>
           <a:p>
             <a:pPr lvl="4"/>
@@ -1248,7 +1229,6 @@
           <a:p>
             <a:fld id="{B15478E0-E977-4492-8A6E-786640ADD492}" type="datetimeFigureOut">
               <a:rPr lang="ru-RU" smtClean="0"/>
-              <a:t>26.07.2024</a:t>
             </a:fld>
             <a:endParaRPr lang="ru-RU"/>
           </a:p>
@@ -1290,18 +1270,12 @@
           <a:p>
             <a:fld id="{3D562609-B199-4C5E-8697-E3BBC63E089F}" type="slidenum">
               <a:rPr lang="ru-RU" smtClean="0"/>
-              <a:t>‹#›</a:t>
             </a:fld>
             <a:endParaRPr lang="ru-RU"/>
           </a:p>
         </p:txBody>
       </p:sp>
     </p:spTree>
-    <p:extLst>
-      <p:ext uri="{BB962C8B-B14F-4D97-AF65-F5344CB8AC3E}">
-        <p14:creationId xmlns:p14="http://schemas.microsoft.com/office/powerpoint/2010/main" val="1884276023"/>
-      </p:ext>
-    </p:extLst>
   </p:cSld>
   <p:clrMapOvr>
     <a:masterClrMapping/>
@@ -1416,6 +1390,7 @@
               <a:rPr lang="ru-RU" smtClean="0"/>
               <a:t>Образец текста</a:t>
             </a:r>
+            <a:endParaRPr lang="ru-RU" smtClean="0"/>
           </a:p>
         </p:txBody>
       </p:sp>
@@ -1444,6 +1419,7 @@
               <a:rPr lang="ru-RU" smtClean="0"/>
               <a:t>Образец текста</a:t>
             </a:r>
+            <a:endParaRPr lang="ru-RU" smtClean="0"/>
           </a:p>
           <a:p>
             <a:pPr lvl="1"/>
@@ -1451,6 +1427,7 @@
               <a:rPr lang="ru-RU" smtClean="0"/>
               <a:t>Второй уровень</a:t>
             </a:r>
+            <a:endParaRPr lang="ru-RU" smtClean="0"/>
           </a:p>
           <a:p>
             <a:pPr lvl="2"/>
@@ -1458,6 +1435,7 @@
               <a:rPr lang="ru-RU" smtClean="0"/>
               <a:t>Третий уровень</a:t>
             </a:r>
+            <a:endParaRPr lang="ru-RU" smtClean="0"/>
           </a:p>
           <a:p>
             <a:pPr lvl="3"/>
@@ -1465,6 +1443,7 @@
               <a:rPr lang="ru-RU" smtClean="0"/>
               <a:t>Четвертый уровень</a:t>
             </a:r>
+            <a:endParaRPr lang="ru-RU" smtClean="0"/>
           </a:p>
           <a:p>
             <a:pPr lvl="4"/>
@@ -1538,6 +1517,7 @@
               <a:rPr lang="ru-RU" smtClean="0"/>
               <a:t>Образец текста</a:t>
             </a:r>
+            <a:endParaRPr lang="ru-RU" smtClean="0"/>
           </a:p>
         </p:txBody>
       </p:sp>
@@ -1566,6 +1546,7 @@
               <a:rPr lang="ru-RU" smtClean="0"/>
               <a:t>Образец текста</a:t>
             </a:r>
+            <a:endParaRPr lang="ru-RU" smtClean="0"/>
           </a:p>
           <a:p>
             <a:pPr lvl="1"/>
@@ -1573,6 +1554,7 @@
               <a:rPr lang="ru-RU" smtClean="0"/>
               <a:t>Второй уровень</a:t>
             </a:r>
+            <a:endParaRPr lang="ru-RU" smtClean="0"/>
           </a:p>
           <a:p>
             <a:pPr lvl="2"/>
@@ -1580,6 +1562,7 @@
               <a:rPr lang="ru-RU" smtClean="0"/>
               <a:t>Третий уровень</a:t>
             </a:r>
+            <a:endParaRPr lang="ru-RU" smtClean="0"/>
           </a:p>
           <a:p>
             <a:pPr lvl="3"/>
@@ -1587,6 +1570,7 @@
               <a:rPr lang="ru-RU" smtClean="0"/>
               <a:t>Четвертый уровень</a:t>
             </a:r>
+            <a:endParaRPr lang="ru-RU" smtClean="0"/>
           </a:p>
           <a:p>
             <a:pPr lvl="4"/>
@@ -1615,7 +1599,6 @@
           <a:p>
             <a:fld id="{B15478E0-E977-4492-8A6E-786640ADD492}" type="datetimeFigureOut">
               <a:rPr lang="ru-RU" smtClean="0"/>
-              <a:t>26.07.2024</a:t>
             </a:fld>
             <a:endParaRPr lang="ru-RU"/>
           </a:p>
@@ -1657,18 +1640,12 @@
           <a:p>
             <a:fld id="{3D562609-B199-4C5E-8697-E3BBC63E089F}" type="slidenum">
               <a:rPr lang="ru-RU" smtClean="0"/>
-              <a:t>‹#›</a:t>
             </a:fld>
             <a:endParaRPr lang="ru-RU"/>
           </a:p>
         </p:txBody>
       </p:sp>
     </p:spTree>
-    <p:extLst>
-      <p:ext uri="{BB962C8B-B14F-4D97-AF65-F5344CB8AC3E}">
-        <p14:creationId xmlns:p14="http://schemas.microsoft.com/office/powerpoint/2010/main" val="2390142561"/>
-      </p:ext>
-    </p:extLst>
   </p:cSld>
   <p:clrMapOvr>
     <a:masterClrMapping/>
@@ -1733,7 +1710,6 @@
           <a:p>
             <a:fld id="{B15478E0-E977-4492-8A6E-786640ADD492}" type="datetimeFigureOut">
               <a:rPr lang="ru-RU" smtClean="0"/>
-              <a:t>26.07.2024</a:t>
             </a:fld>
             <a:endParaRPr lang="ru-RU"/>
           </a:p>
@@ -1775,18 +1751,12 @@
           <a:p>
             <a:fld id="{3D562609-B199-4C5E-8697-E3BBC63E089F}" type="slidenum">
               <a:rPr lang="ru-RU" smtClean="0"/>
-              <a:t>‹#›</a:t>
             </a:fld>
             <a:endParaRPr lang="ru-RU"/>
           </a:p>
         </p:txBody>
       </p:sp>
     </p:spTree>
-    <p:extLst>
-      <p:ext uri="{BB962C8B-B14F-4D97-AF65-F5344CB8AC3E}">
-        <p14:creationId xmlns:p14="http://schemas.microsoft.com/office/powerpoint/2010/main" val="441536462"/>
-      </p:ext>
-    </p:extLst>
   </p:cSld>
   <p:clrMapOvr>
     <a:masterClrMapping/>
@@ -1828,7 +1798,6 @@
           <a:p>
             <a:fld id="{B15478E0-E977-4492-8A6E-786640ADD492}" type="datetimeFigureOut">
               <a:rPr lang="ru-RU" smtClean="0"/>
-              <a:t>26.07.2024</a:t>
             </a:fld>
             <a:endParaRPr lang="ru-RU"/>
           </a:p>
@@ -1870,18 +1839,12 @@
           <a:p>
             <a:fld id="{3D562609-B199-4C5E-8697-E3BBC63E089F}" type="slidenum">
               <a:rPr lang="ru-RU" smtClean="0"/>
-              <a:t>‹#›</a:t>
             </a:fld>
             <a:endParaRPr lang="ru-RU"/>
           </a:p>
         </p:txBody>
       </p:sp>
     </p:spTree>
-    <p:extLst>
-      <p:ext uri="{BB962C8B-B14F-4D97-AF65-F5344CB8AC3E}">
-        <p14:creationId xmlns:p14="http://schemas.microsoft.com/office/powerpoint/2010/main" val="4147391422"/>
-      </p:ext>
-    </p:extLst>
   </p:cSld>
   <p:clrMapOvr>
     <a:masterClrMapping/>
@@ -1991,6 +1954,7 @@
               <a:rPr lang="ru-RU" smtClean="0"/>
               <a:t>Образец текста</a:t>
             </a:r>
+            <a:endParaRPr lang="ru-RU" smtClean="0"/>
           </a:p>
           <a:p>
             <a:pPr lvl="1"/>
@@ -1998,6 +1962,7 @@
               <a:rPr lang="ru-RU" smtClean="0"/>
               <a:t>Второй уровень</a:t>
             </a:r>
+            <a:endParaRPr lang="ru-RU" smtClean="0"/>
           </a:p>
           <a:p>
             <a:pPr lvl="2"/>
@@ -2005,6 +1970,7 @@
               <a:rPr lang="ru-RU" smtClean="0"/>
               <a:t>Третий уровень</a:t>
             </a:r>
+            <a:endParaRPr lang="ru-RU" smtClean="0"/>
           </a:p>
           <a:p>
             <a:pPr lvl="3"/>
@@ -2012,6 +1978,7 @@
               <a:rPr lang="ru-RU" smtClean="0"/>
               <a:t>Четвертый уровень</a:t>
             </a:r>
+            <a:endParaRPr lang="ru-RU" smtClean="0"/>
           </a:p>
           <a:p>
             <a:pPr lvl="4"/>
@@ -2085,6 +2052,7 @@
               <a:rPr lang="ru-RU" smtClean="0"/>
               <a:t>Образец текста</a:t>
             </a:r>
+            <a:endParaRPr lang="ru-RU" smtClean="0"/>
           </a:p>
         </p:txBody>
       </p:sp>
@@ -2105,7 +2073,6 @@
           <a:p>
             <a:fld id="{B15478E0-E977-4492-8A6E-786640ADD492}" type="datetimeFigureOut">
               <a:rPr lang="ru-RU" smtClean="0"/>
-              <a:t>26.07.2024</a:t>
             </a:fld>
             <a:endParaRPr lang="ru-RU"/>
           </a:p>
@@ -2147,18 +2114,12 @@
           <a:p>
             <a:fld id="{3D562609-B199-4C5E-8697-E3BBC63E089F}" type="slidenum">
               <a:rPr lang="ru-RU" smtClean="0"/>
-              <a:t>‹#›</a:t>
             </a:fld>
             <a:endParaRPr lang="ru-RU"/>
           </a:p>
         </p:txBody>
       </p:sp>
     </p:spTree>
-    <p:extLst>
-      <p:ext uri="{BB962C8B-B14F-4D97-AF65-F5344CB8AC3E}">
-        <p14:creationId xmlns:p14="http://schemas.microsoft.com/office/powerpoint/2010/main" val="331230864"/>
-      </p:ext>
-    </p:extLst>
   </p:cSld>
   <p:clrMapOvr>
     <a:masterClrMapping/>
@@ -2338,6 +2299,7 @@
               <a:rPr lang="ru-RU" smtClean="0"/>
               <a:t>Образец текста</a:t>
             </a:r>
+            <a:endParaRPr lang="ru-RU" smtClean="0"/>
           </a:p>
         </p:txBody>
       </p:sp>
@@ -2358,7 +2320,6 @@
           <a:p>
             <a:fld id="{B15478E0-E977-4492-8A6E-786640ADD492}" type="datetimeFigureOut">
               <a:rPr lang="ru-RU" smtClean="0"/>
-              <a:t>26.07.2024</a:t>
             </a:fld>
             <a:endParaRPr lang="ru-RU"/>
           </a:p>
@@ -2400,18 +2361,12 @@
           <a:p>
             <a:fld id="{3D562609-B199-4C5E-8697-E3BBC63E089F}" type="slidenum">
               <a:rPr lang="ru-RU" smtClean="0"/>
-              <a:t>‹#›</a:t>
             </a:fld>
             <a:endParaRPr lang="ru-RU"/>
           </a:p>
         </p:txBody>
       </p:sp>
     </p:spTree>
-    <p:extLst>
-      <p:ext uri="{BB962C8B-B14F-4D97-AF65-F5344CB8AC3E}">
-        <p14:creationId xmlns:p14="http://schemas.microsoft.com/office/powerpoint/2010/main" val="3691784229"/>
-      </p:ext>
-    </p:extLst>
   </p:cSld>
   <p:clrMapOvr>
     <a:masterClrMapping/>
@@ -2504,6 +2459,7 @@
               <a:rPr lang="ru-RU" smtClean="0"/>
               <a:t>Образец текста</a:t>
             </a:r>
+            <a:endParaRPr lang="ru-RU" smtClean="0"/>
           </a:p>
           <a:p>
             <a:pPr lvl="1"/>
@@ -2511,6 +2467,7 @@
               <a:rPr lang="ru-RU" smtClean="0"/>
               <a:t>Второй уровень</a:t>
             </a:r>
+            <a:endParaRPr lang="ru-RU" smtClean="0"/>
           </a:p>
           <a:p>
             <a:pPr lvl="2"/>
@@ -2518,6 +2475,7 @@
               <a:rPr lang="ru-RU" smtClean="0"/>
               <a:t>Третий уровень</a:t>
             </a:r>
+            <a:endParaRPr lang="ru-RU" smtClean="0"/>
           </a:p>
           <a:p>
             <a:pPr lvl="3"/>
@@ -2525,6 +2483,7 @@
               <a:rPr lang="ru-RU" smtClean="0"/>
               <a:t>Четвертый уровень</a:t>
             </a:r>
+            <a:endParaRPr lang="ru-RU" smtClean="0"/>
           </a:p>
           <a:p>
             <a:pPr lvl="4"/>
@@ -2571,7 +2530,6 @@
           <a:p>
             <a:fld id="{B15478E0-E977-4492-8A6E-786640ADD492}" type="datetimeFigureOut">
               <a:rPr lang="ru-RU" smtClean="0"/>
-              <a:t>26.07.2024</a:t>
             </a:fld>
             <a:endParaRPr lang="ru-RU"/>
           </a:p>
@@ -2649,18 +2607,12 @@
           <a:p>
             <a:fld id="{3D562609-B199-4C5E-8697-E3BBC63E089F}" type="slidenum">
               <a:rPr lang="ru-RU" smtClean="0"/>
-              <a:t>‹#›</a:t>
             </a:fld>
             <a:endParaRPr lang="ru-RU"/>
           </a:p>
         </p:txBody>
       </p:sp>
     </p:spTree>
-    <p:extLst>
-      <p:ext uri="{BB962C8B-B14F-4D97-AF65-F5344CB8AC3E}">
-        <p14:creationId xmlns:p14="http://schemas.microsoft.com/office/powerpoint/2010/main" val="2512857134"/>
-      </p:ext>
-    </p:extLst>
   </p:cSld>
   <p:clrMap bg1="lt1" tx1="dk1" bg2="lt2" tx2="dk2" accent1="accent1" accent2="accent2" accent3="accent3" accent4="accent4" accent5="accent5" accent6="accent6" hlink="hlink" folHlink="folHlink"/>
   <p:sldLayoutIdLst>
@@ -3096,14 +3048,6 @@
               </a:rPr>
               <a:t>C#</a:t>
             </a:r>
-            <a:r>
-              <a:rPr lang="ru-RU" dirty="0" smtClean="0">
-                <a:solidFill>
-                  <a:schemeClr val="bg1"/>
-                </a:solidFill>
-              </a:rPr>
-              <a:t/>
-            </a:r>
             <a:br>
               <a:rPr lang="ru-RU" dirty="0" smtClean="0">
                 <a:solidFill>
@@ -3144,11 +3088,6 @@
         </p:txBody>
       </p:sp>
     </p:spTree>
-    <p:extLst>
-      <p:ext uri="{BB962C8B-B14F-4D97-AF65-F5344CB8AC3E}">
-        <p14:creationId xmlns:p14="http://schemas.microsoft.com/office/powerpoint/2010/main" val="825671237"/>
-      </p:ext>
-    </p:extLst>
   </p:cSld>
   <p:clrMapOvr>
     <a:masterClrMapping/>
@@ -3290,6 +3229,11 @@
               </a:rPr>
               <a:t>) – графический язык, позволяет визуализировать отдельные сущности и процессы проекта, связь этих сущностей</a:t>
             </a:r>
+            <a:endParaRPr lang="ru-RU" dirty="0" smtClean="0">
+              <a:solidFill>
+                <a:schemeClr val="bg1"/>
+              </a:solidFill>
+            </a:endParaRPr>
           </a:p>
           <a:p>
             <a:r>
@@ -3348,6 +3292,11 @@
               </a:rPr>
               <a:t>используемая для построения графических интерфейсов.</a:t>
             </a:r>
+            <a:endParaRPr lang="ru-RU" dirty="0" smtClean="0">
+              <a:solidFill>
+                <a:schemeClr val="bg1"/>
+              </a:solidFill>
+            </a:endParaRPr>
           </a:p>
           <a:p>
             <a:r>
@@ -3438,11 +3387,6 @@
         </p:txBody>
       </p:sp>
     </p:spTree>
-    <p:extLst>
-      <p:ext uri="{BB962C8B-B14F-4D97-AF65-F5344CB8AC3E}">
-        <p14:creationId xmlns:p14="http://schemas.microsoft.com/office/powerpoint/2010/main" val="2607161436"/>
-      </p:ext>
-    </p:extLst>
   </p:cSld>
   <p:clrMapOvr>
     <a:masterClrMapping/>
@@ -3559,6 +3503,11 @@
               </a:rPr>
               <a:t>Хранение фильмов запланированных к просмотру</a:t>
             </a:r>
+            <a:endParaRPr lang="ru-RU" dirty="0" smtClean="0">
+              <a:solidFill>
+                <a:schemeClr val="bg1"/>
+              </a:solidFill>
+            </a:endParaRPr>
           </a:p>
           <a:p>
             <a:r>
@@ -3585,6 +3534,11 @@
               </a:rPr>
               <a:t>, рейтинг пользователя)</a:t>
             </a:r>
+            <a:endParaRPr lang="ru-RU" dirty="0" smtClean="0">
+              <a:solidFill>
+                <a:schemeClr val="bg1"/>
+              </a:solidFill>
+            </a:endParaRPr>
           </a:p>
           <a:p>
             <a:r>
@@ -3595,6 +3549,11 @@
               </a:rPr>
               <a:t>Добавление пользователем фильмов просмотренных и планируемых фильмов</a:t>
             </a:r>
+            <a:endParaRPr lang="ru-RU" dirty="0" smtClean="0">
+              <a:solidFill>
+                <a:schemeClr val="bg1"/>
+              </a:solidFill>
+            </a:endParaRPr>
           </a:p>
           <a:p>
             <a:r>
@@ -3614,11 +3573,6 @@
         </p:txBody>
       </p:sp>
     </p:spTree>
-    <p:extLst>
-      <p:ext uri="{BB962C8B-B14F-4D97-AF65-F5344CB8AC3E}">
-        <p14:creationId xmlns:p14="http://schemas.microsoft.com/office/powerpoint/2010/main" val="4048955828"/>
-      </p:ext>
-    </p:extLst>
   </p:cSld>
   <p:clrMapOvr>
     <a:masterClrMapping/>
@@ -3769,6 +3723,11 @@
               </a:rPr>
               <a:t>Запись и чтение данных из файла</a:t>
             </a:r>
+            <a:endParaRPr lang="ru-RU" dirty="0" smtClean="0">
+              <a:solidFill>
+                <a:schemeClr val="bg1"/>
+              </a:solidFill>
+            </a:endParaRPr>
           </a:p>
           <a:p>
             <a:r>
@@ -3795,6 +3754,11 @@
               </a:rPr>
               <a:t>операций</a:t>
             </a:r>
+            <a:endParaRPr lang="ru-RU" dirty="0" smtClean="0">
+              <a:solidFill>
+                <a:schemeClr val="bg1"/>
+              </a:solidFill>
+            </a:endParaRPr>
           </a:p>
           <a:p>
             <a:r>
@@ -3829,28 +3793,6 @@
               </a:rPr>
               <a:t>Grid</a:t>
             </a:r>
-          </a:p>
-          <a:p>
-            <a:pPr lvl="1"/>
-            <a:r>
-              <a:rPr lang="en-US" dirty="0" smtClean="0">
-                <a:solidFill>
-                  <a:schemeClr val="bg1"/>
-                </a:solidFill>
-              </a:rPr>
-              <a:t>Button</a:t>
-            </a:r>
-          </a:p>
-          <a:p>
-            <a:pPr lvl="1"/>
-            <a:r>
-              <a:rPr lang="en-US" dirty="0" err="1" smtClean="0">
-                <a:solidFill>
-                  <a:schemeClr val="bg1"/>
-                </a:solidFill>
-              </a:rPr>
-              <a:t>StackPanel</a:t>
-            </a:r>
             <a:endParaRPr lang="en-US" dirty="0" smtClean="0">
               <a:solidFill>
                 <a:schemeClr val="bg1"/>
@@ -3858,6 +3800,38 @@
             </a:endParaRPr>
           </a:p>
           <a:p>
+            <a:pPr lvl="1"/>
+            <a:r>
+              <a:rPr lang="en-US" dirty="0" smtClean="0">
+                <a:solidFill>
+                  <a:schemeClr val="bg1"/>
+                </a:solidFill>
+              </a:rPr>
+              <a:t>Button</a:t>
+            </a:r>
+            <a:endParaRPr lang="en-US" dirty="0" smtClean="0">
+              <a:solidFill>
+                <a:schemeClr val="bg1"/>
+              </a:solidFill>
+            </a:endParaRPr>
+          </a:p>
+          <a:p>
+            <a:pPr lvl="1"/>
+            <a:r>
+              <a:rPr lang="en-US" dirty="0" err="1" smtClean="0">
+                <a:solidFill>
+                  <a:schemeClr val="bg1"/>
+                </a:solidFill>
+              </a:rPr>
+              <a:t>StackPanel</a:t>
+            </a:r>
+            <a:endParaRPr lang="en-US" dirty="0" smtClean="0">
+              <a:solidFill>
+                <a:schemeClr val="bg1"/>
+              </a:solidFill>
+            </a:endParaRPr>
+          </a:p>
+          <a:p>
             <a:r>
               <a:rPr lang="ru-RU" dirty="0" smtClean="0">
                 <a:solidFill>
@@ -3866,6 +3840,11 @@
               </a:rPr>
               <a:t>Привязка данных полученных из файла к элементам управления</a:t>
             </a:r>
+            <a:endParaRPr lang="ru-RU" dirty="0" smtClean="0">
+              <a:solidFill>
+                <a:schemeClr val="bg1"/>
+              </a:solidFill>
+            </a:endParaRPr>
           </a:p>
           <a:p>
             <a:pPr lvl="1"/>
@@ -3877,6 +3856,11 @@
               </a:rPr>
               <a:t>Binding</a:t>
             </a:r>
+            <a:endParaRPr lang="en-US" dirty="0" smtClean="0">
+              <a:solidFill>
+                <a:schemeClr val="bg1"/>
+              </a:solidFill>
+            </a:endParaRPr>
           </a:p>
           <a:p>
             <a:pPr lvl="1"/>
@@ -3927,11 +3911,6 @@
         </p:txBody>
       </p:sp>
     </p:spTree>
-    <p:extLst>
-      <p:ext uri="{BB962C8B-B14F-4D97-AF65-F5344CB8AC3E}">
-        <p14:creationId xmlns:p14="http://schemas.microsoft.com/office/powerpoint/2010/main" val="1630997934"/>
-      </p:ext>
-    </p:extLst>
   </p:cSld>
   <p:clrMapOvr>
     <a:masterClrMapping/>
@@ -3982,7 +3961,7 @@
           </p:nvPr>
         </p:nvPicPr>
         <p:blipFill>
-          <a:blip r:embed="rId2"/>
+          <a:blip r:embed="rId1"/>
           <a:stretch>
             <a:fillRect/>
           </a:stretch>
@@ -3998,11 +3977,6 @@
         </p:spPr>
       </p:pic>
     </p:spTree>
-    <p:extLst>
-      <p:ext uri="{BB962C8B-B14F-4D97-AF65-F5344CB8AC3E}">
-        <p14:creationId xmlns:p14="http://schemas.microsoft.com/office/powerpoint/2010/main" val="2996258535"/>
-      </p:ext>
-    </p:extLst>
   </p:cSld>
   <p:clrMapOvr>
     <a:masterClrMapping/>
@@ -4053,7 +4027,7 @@
           </p:nvPr>
         </p:nvPicPr>
         <p:blipFill>
-          <a:blip r:embed="rId2"/>
+          <a:blip r:embed="rId1"/>
           <a:stretch>
             <a:fillRect/>
           </a:stretch>
@@ -4069,11 +4043,6 @@
         </p:spPr>
       </p:pic>
     </p:spTree>
-    <p:extLst>
-      <p:ext uri="{BB962C8B-B14F-4D97-AF65-F5344CB8AC3E}">
-        <p14:creationId xmlns:p14="http://schemas.microsoft.com/office/powerpoint/2010/main" val="1724635820"/>
-      </p:ext>
-    </p:extLst>
   </p:cSld>
   <p:clrMapOvr>
     <a:masterClrMapping/>
@@ -4124,7 +4093,7 @@
           </p:nvPr>
         </p:nvPicPr>
         <p:blipFill>
-          <a:blip r:embed="rId2"/>
+          <a:blip r:embed="rId1"/>
           <a:stretch>
             <a:fillRect/>
           </a:stretch>
@@ -4140,11 +4109,6 @@
         </p:spPr>
       </p:pic>
     </p:spTree>
-    <p:extLst>
-      <p:ext uri="{BB962C8B-B14F-4D97-AF65-F5344CB8AC3E}">
-        <p14:creationId xmlns:p14="http://schemas.microsoft.com/office/powerpoint/2010/main" val="778859748"/>
-      </p:ext>
-    </p:extLst>
   </p:cSld>
   <p:clrMapOvr>
     <a:masterClrMapping/>
@@ -4231,31 +4195,33 @@
           </a:p>
         </p:txBody>
       </p:sp>
-      <p:sp>
-        <p:nvSpPr>
-          <p:cNvPr id="3" name="Объект 2"/>
-          <p:cNvSpPr>
-            <a:spLocks noGrp="1"/>
-          </p:cNvSpPr>
+      <p:pic>
+        <p:nvPicPr>
+          <p:cNvPr id="4" name="Content Placeholder 3" descr="qr-code"/>
+          <p:cNvPicPr>
+            <a:picLocks noChangeAspect="1"/>
+          </p:cNvPicPr>
           <p:nvPr>
             <p:ph idx="1"/>
           </p:nvPr>
-        </p:nvSpPr>
-        <p:spPr bwMode="white"/>
-        <p:txBody>
-          <a:bodyPr/>
-          <a:lstStyle/>
-          <a:p>
-            <a:endParaRPr lang="ru-RU" dirty="0"/>
-          </a:p>
-        </p:txBody>
-      </p:sp>
+        </p:nvPicPr>
+        <p:blipFill>
+          <a:blip r:embed="rId1"/>
+          <a:stretch>
+            <a:fillRect/>
+          </a:stretch>
+        </p:blipFill>
+        <p:spPr>
+          <a:xfrm>
+            <a:off x="3919855" y="1825625"/>
+            <a:ext cx="4351655" cy="4351655"/>
+          </a:xfrm>
+          <a:prstGeom prst="rect">
+            <a:avLst/>
+          </a:prstGeom>
+        </p:spPr>
+      </p:pic>
     </p:spTree>
-    <p:extLst>
-      <p:ext uri="{BB962C8B-B14F-4D97-AF65-F5344CB8AC3E}">
-        <p14:creationId xmlns:p14="http://schemas.microsoft.com/office/powerpoint/2010/main" val="2049763351"/>
-      </p:ext>
-    </p:extLst>
   </p:cSld>
   <p:clrMapOvr>
     <a:masterClrMapping/>
@@ -4313,7 +4279,7 @@
     </a:clrScheme>
     <a:fontScheme name="Стандартная">
       <a:majorFont>
-        <a:latin typeface="Calibri Light" panose="020F0302020204030204"/>
+        <a:latin typeface="Calibri Light"/>
         <a:ea typeface=""/>
         <a:cs typeface=""/>
         <a:font script="Jpan" typeface="游ゴシック Light"/>
@@ -4348,7 +4314,7 @@
         <a:font script="Geor" typeface="Sylfaen"/>
       </a:majorFont>
       <a:minorFont>
-        <a:latin typeface="Calibri" panose="020F0502020204030204"/>
+        <a:latin typeface="Calibri"/>
         <a:ea typeface=""/>
         <a:cs typeface=""/>
         <a:font script="Jpan" typeface="游ゴシック"/>
@@ -4521,8 +4487,6 @@
       </a:bgFillStyleLst>
     </a:fmtScheme>
   </a:themeElements>
-  <a:objectDefaults/>
-  <a:extraClrSchemeLst/>
   <a:extLst>
     <a:ext uri="{05A4C25C-085E-4340-85A3-A5531E510DB2}">
       <thm15:themeFamily xmlns:thm15="http://schemas.microsoft.com/office/thememl/2012/main" name="Office Theme" id="{62F939B6-93AF-4DB8-9C6B-D6C7DFDC589F}" vid="{4A3C46E8-61CC-4603-A589-7422A47A8E4A}"/>
